--- a/Rapport/V2/Diagramme_fonctionnel.pptx
+++ b/Rapport/V2/Diagramme_fonctionnel.pptx
@@ -243,7 +243,7 @@
           <a:p>
             <a:fld id="{4FCC8443-EA21-47B8-B9B4-9459F89C4D37}" type="datetimeFigureOut">
               <a:rPr lang="fr-CA" smtClean="0"/>
-              <a:t>2019-03-20</a:t>
+              <a:t>2019-04-11</a:t>
             </a:fld>
             <a:endParaRPr lang="fr-CA"/>
           </a:p>
@@ -413,7 +413,7 @@
           <a:p>
             <a:fld id="{4FCC8443-EA21-47B8-B9B4-9459F89C4D37}" type="datetimeFigureOut">
               <a:rPr lang="fr-CA" smtClean="0"/>
-              <a:t>2019-03-20</a:t>
+              <a:t>2019-04-11</a:t>
             </a:fld>
             <a:endParaRPr lang="fr-CA"/>
           </a:p>
@@ -593,7 +593,7 @@
           <a:p>
             <a:fld id="{4FCC8443-EA21-47B8-B9B4-9459F89C4D37}" type="datetimeFigureOut">
               <a:rPr lang="fr-CA" smtClean="0"/>
-              <a:t>2019-03-20</a:t>
+              <a:t>2019-04-11</a:t>
             </a:fld>
             <a:endParaRPr lang="fr-CA"/>
           </a:p>
@@ -763,7 +763,7 @@
           <a:p>
             <a:fld id="{4FCC8443-EA21-47B8-B9B4-9459F89C4D37}" type="datetimeFigureOut">
               <a:rPr lang="fr-CA" smtClean="0"/>
-              <a:t>2019-03-20</a:t>
+              <a:t>2019-04-11</a:t>
             </a:fld>
             <a:endParaRPr lang="fr-CA"/>
           </a:p>
@@ -1007,7 +1007,7 @@
           <a:p>
             <a:fld id="{4FCC8443-EA21-47B8-B9B4-9459F89C4D37}" type="datetimeFigureOut">
               <a:rPr lang="fr-CA" smtClean="0"/>
-              <a:t>2019-03-20</a:t>
+              <a:t>2019-04-11</a:t>
             </a:fld>
             <a:endParaRPr lang="fr-CA"/>
           </a:p>
@@ -1239,7 +1239,7 @@
           <a:p>
             <a:fld id="{4FCC8443-EA21-47B8-B9B4-9459F89C4D37}" type="datetimeFigureOut">
               <a:rPr lang="fr-CA" smtClean="0"/>
-              <a:t>2019-03-20</a:t>
+              <a:t>2019-04-11</a:t>
             </a:fld>
             <a:endParaRPr lang="fr-CA"/>
           </a:p>
@@ -1606,7 +1606,7 @@
           <a:p>
             <a:fld id="{4FCC8443-EA21-47B8-B9B4-9459F89C4D37}" type="datetimeFigureOut">
               <a:rPr lang="fr-CA" smtClean="0"/>
-              <a:t>2019-03-20</a:t>
+              <a:t>2019-04-11</a:t>
             </a:fld>
             <a:endParaRPr lang="fr-CA"/>
           </a:p>
@@ -1724,7 +1724,7 @@
           <a:p>
             <a:fld id="{4FCC8443-EA21-47B8-B9B4-9459F89C4D37}" type="datetimeFigureOut">
               <a:rPr lang="fr-CA" smtClean="0"/>
-              <a:t>2019-03-20</a:t>
+              <a:t>2019-04-11</a:t>
             </a:fld>
             <a:endParaRPr lang="fr-CA"/>
           </a:p>
@@ -1819,7 +1819,7 @@
           <a:p>
             <a:fld id="{4FCC8443-EA21-47B8-B9B4-9459F89C4D37}" type="datetimeFigureOut">
               <a:rPr lang="fr-CA" smtClean="0"/>
-              <a:t>2019-03-20</a:t>
+              <a:t>2019-04-11</a:t>
             </a:fld>
             <a:endParaRPr lang="fr-CA"/>
           </a:p>
@@ -2096,7 +2096,7 @@
           <a:p>
             <a:fld id="{4FCC8443-EA21-47B8-B9B4-9459F89C4D37}" type="datetimeFigureOut">
               <a:rPr lang="fr-CA" smtClean="0"/>
-              <a:t>2019-03-20</a:t>
+              <a:t>2019-04-11</a:t>
             </a:fld>
             <a:endParaRPr lang="fr-CA"/>
           </a:p>
@@ -2353,7 +2353,7 @@
           <a:p>
             <a:fld id="{4FCC8443-EA21-47B8-B9B4-9459F89C4D37}" type="datetimeFigureOut">
               <a:rPr lang="fr-CA" smtClean="0"/>
-              <a:t>2019-03-20</a:t>
+              <a:t>2019-04-11</a:t>
             </a:fld>
             <a:endParaRPr lang="fr-CA"/>
           </a:p>
@@ -2566,7 +2566,7 @@
           <a:p>
             <a:fld id="{4FCC8443-EA21-47B8-B9B4-9459F89C4D37}" type="datetimeFigureOut">
               <a:rPr lang="fr-CA" smtClean="0"/>
-              <a:t>2019-03-20</a:t>
+              <a:t>2019-04-11</a:t>
             </a:fld>
             <a:endParaRPr lang="fr-CA"/>
           </a:p>
@@ -3383,8 +3383,8 @@
           </p:nvSpPr>
           <p:spPr>
             <a:xfrm>
-              <a:off x="3895262" y="4339864"/>
-              <a:ext cx="1250352" cy="1094710"/>
+              <a:off x="3895261" y="4418785"/>
+              <a:ext cx="1250352" cy="935045"/>
             </a:xfrm>
             <a:prstGeom prst="roundRect">
               <a:avLst/>
@@ -3418,7 +3418,7 @@
               <a:pPr algn="ctr"/>
               <a:r>
                 <a:rPr lang="fr-CA" sz="1476" dirty="0"/>
-                <a:t>Identifier les poissons et compiler les données</a:t>
+                <a:t>Identifier les poissons</a:t>
               </a:r>
             </a:p>
           </p:txBody>
@@ -3437,7 +3437,7 @@
           </p:nvSpPr>
           <p:spPr>
             <a:xfrm>
-              <a:off x="6299169" y="4419697"/>
+              <a:off x="7106783" y="4419697"/>
               <a:ext cx="1250352" cy="935045"/>
             </a:xfrm>
             <a:prstGeom prst="roundRect">
@@ -3707,7 +3707,7 @@
           </p:nvSpPr>
           <p:spPr>
             <a:xfrm>
-              <a:off x="6299169" y="5652518"/>
+              <a:off x="7106783" y="5652518"/>
               <a:ext cx="1250352" cy="935045"/>
             </a:xfrm>
             <a:prstGeom prst="roundRect">
@@ -3761,7 +3761,7 @@
           </p:nvSpPr>
           <p:spPr>
             <a:xfrm>
-              <a:off x="3887775" y="8259093"/>
+              <a:off x="8723746" y="8259093"/>
               <a:ext cx="1250352" cy="935045"/>
             </a:xfrm>
             <a:prstGeom prst="roundRect">
@@ -3987,7 +3987,7 @@
           </p:nvCxnSpPr>
           <p:spPr>
             <a:xfrm>
-              <a:off x="6924345" y="5354742"/>
+              <a:off x="7731959" y="5354742"/>
               <a:ext cx="0" cy="297776"/>
             </a:xfrm>
             <a:prstGeom prst="straightConnector1">
@@ -4029,7 +4029,7 @@
           </p:nvCxnSpPr>
           <p:spPr>
             <a:xfrm>
-              <a:off x="6924344" y="6587563"/>
+              <a:off x="7731958" y="6587563"/>
               <a:ext cx="0" cy="368243"/>
             </a:xfrm>
             <a:prstGeom prst="straightConnector1">
@@ -4110,8 +4110,8 @@
           </p:nvCxnSpPr>
           <p:spPr>
             <a:xfrm>
-              <a:off x="1291618" y="4887219"/>
-              <a:ext cx="2603644" cy="0"/>
+              <a:off x="1295619" y="4886308"/>
+              <a:ext cx="2599642" cy="0"/>
             </a:xfrm>
             <a:prstGeom prst="straightConnector1">
               <a:avLst/>
@@ -4180,49 +4180,6 @@
         </p:cxnSp>
         <p:cxnSp>
           <p:nvCxnSpPr>
-            <p:cNvPr id="224" name="Connecteur droit avec flèche 223">
-              <a:extLst>
-                <a:ext uri="{FF2B5EF4-FFF2-40B4-BE49-F238E27FC236}">
-                  <a16:creationId xmlns:a16="http://schemas.microsoft.com/office/drawing/2014/main" id="{56F2D609-F062-4017-B521-D888D10E388A}"/>
-                </a:ext>
-              </a:extLst>
-            </p:cNvPr>
-            <p:cNvCxnSpPr>
-              <a:cxnSpLocks/>
-              <a:stCxn id="12" idx="3"/>
-              <a:endCxn id="13" idx="1"/>
-            </p:cNvCxnSpPr>
-            <p:nvPr/>
-          </p:nvCxnSpPr>
-          <p:spPr>
-            <a:xfrm>
-              <a:off x="5145614" y="4887219"/>
-              <a:ext cx="1153555" cy="1"/>
-            </a:xfrm>
-            <a:prstGeom prst="straightConnector1">
-              <a:avLst/>
-            </a:prstGeom>
-            <a:ln>
-              <a:tailEnd type="triangle"/>
-            </a:ln>
-          </p:spPr>
-          <p:style>
-            <a:lnRef idx="1">
-              <a:schemeClr val="accent1"/>
-            </a:lnRef>
-            <a:fillRef idx="0">
-              <a:schemeClr val="accent1"/>
-            </a:fillRef>
-            <a:effectRef idx="0">
-              <a:schemeClr val="accent1"/>
-            </a:effectRef>
-            <a:fontRef idx="minor">
-              <a:schemeClr val="tx1"/>
-            </a:fontRef>
-          </p:style>
-        </p:cxnSp>
-        <p:cxnSp>
-          <p:nvCxnSpPr>
             <p:cNvPr id="227" name="Connecteur droit avec flèche 226">
               <a:extLst>
                 <a:ext uri="{FF2B5EF4-FFF2-40B4-BE49-F238E27FC236}">
@@ -4239,8 +4196,8 @@
           </p:nvCxnSpPr>
           <p:spPr>
             <a:xfrm flipH="1">
-              <a:off x="4520438" y="3978428"/>
-              <a:ext cx="1848" cy="361436"/>
+              <a:off x="4520437" y="3978428"/>
+              <a:ext cx="1849" cy="440357"/>
             </a:xfrm>
             <a:prstGeom prst="straightConnector1">
               <a:avLst/>
@@ -4278,7 +4235,7 @@
           </p:nvSpPr>
           <p:spPr>
             <a:xfrm>
-              <a:off x="6299168" y="8259094"/>
+              <a:off x="7106782" y="8259094"/>
               <a:ext cx="1250352" cy="935045"/>
             </a:xfrm>
             <a:prstGeom prst="roundRect">
@@ -4332,7 +4289,7 @@
           </p:nvSpPr>
           <p:spPr>
             <a:xfrm>
-              <a:off x="6299168" y="6955806"/>
+              <a:off x="7106782" y="6955806"/>
               <a:ext cx="1250352" cy="935045"/>
             </a:xfrm>
             <a:prstGeom prst="roundRect">
@@ -4390,51 +4347,8 @@
           </p:nvCxnSpPr>
           <p:spPr>
             <a:xfrm>
-              <a:off x="6924344" y="7890851"/>
+              <a:off x="7731958" y="7890851"/>
               <a:ext cx="0" cy="368243"/>
-            </a:xfrm>
-            <a:prstGeom prst="straightConnector1">
-              <a:avLst/>
-            </a:prstGeom>
-            <a:ln>
-              <a:tailEnd type="triangle"/>
-            </a:ln>
-          </p:spPr>
-          <p:style>
-            <a:lnRef idx="1">
-              <a:schemeClr val="accent1"/>
-            </a:lnRef>
-            <a:fillRef idx="0">
-              <a:schemeClr val="accent1"/>
-            </a:fillRef>
-            <a:effectRef idx="0">
-              <a:schemeClr val="accent1"/>
-            </a:effectRef>
-            <a:fontRef idx="minor">
-              <a:schemeClr val="tx1"/>
-            </a:fontRef>
-          </p:style>
-        </p:cxnSp>
-        <p:cxnSp>
-          <p:nvCxnSpPr>
-            <p:cNvPr id="28" name="Connecteur droit avec flèche 27">
-              <a:extLst>
-                <a:ext uri="{FF2B5EF4-FFF2-40B4-BE49-F238E27FC236}">
-                  <a16:creationId xmlns:a16="http://schemas.microsoft.com/office/drawing/2014/main" id="{D8043960-472B-4650-8D2C-5F30DAE347EE}"/>
-                </a:ext>
-              </a:extLst>
-            </p:cNvPr>
-            <p:cNvCxnSpPr>
-              <a:cxnSpLocks/>
-              <a:stCxn id="12" idx="2"/>
-              <a:endCxn id="20" idx="0"/>
-            </p:cNvCxnSpPr>
-            <p:nvPr/>
-          </p:nvCxnSpPr>
-          <p:spPr>
-            <a:xfrm flipH="1">
-              <a:off x="4512951" y="5434574"/>
-              <a:ext cx="7487" cy="2824519"/>
             </a:xfrm>
             <a:prstGeom prst="straightConnector1">
               <a:avLst/>
@@ -4873,6 +4787,282 @@
           <a:xfrm>
             <a:off x="4050879" y="2404540"/>
             <a:ext cx="9335" cy="366581"/>
+          </a:xfrm>
+          <a:prstGeom prst="straightConnector1">
+            <a:avLst/>
+          </a:prstGeom>
+          <a:ln>
+            <a:tailEnd type="triangle"/>
+          </a:ln>
+        </p:spPr>
+        <p:style>
+          <a:lnRef idx="1">
+            <a:schemeClr val="accent1"/>
+          </a:lnRef>
+          <a:fillRef idx="0">
+            <a:schemeClr val="accent1"/>
+          </a:fillRef>
+          <a:effectRef idx="0">
+            <a:schemeClr val="accent1"/>
+          </a:effectRef>
+          <a:fontRef idx="minor">
+            <a:schemeClr val="tx1"/>
+          </a:fontRef>
+        </p:style>
+      </p:cxnSp>
+      <p:cxnSp>
+        <p:nvCxnSpPr>
+          <p:cNvPr id="8" name="Connecteur droit avec flèche 7">
+            <a:extLst>
+              <a:ext uri="{FF2B5EF4-FFF2-40B4-BE49-F238E27FC236}">
+                <a16:creationId xmlns:a16="http://schemas.microsoft.com/office/drawing/2014/main" id="{504AB9B5-3E20-4125-932A-83109365DBF0}"/>
+              </a:ext>
+            </a:extLst>
+          </p:cNvPr>
+          <p:cNvCxnSpPr>
+            <a:cxnSpLocks/>
+            <a:endCxn id="48" idx="0"/>
+          </p:cNvCxnSpPr>
+          <p:nvPr/>
+        </p:nvCxnSpPr>
+        <p:spPr>
+          <a:xfrm>
+            <a:off x="8886850" y="3384953"/>
+            <a:ext cx="0" cy="2267119"/>
+          </a:xfrm>
+          <a:prstGeom prst="straightConnector1">
+            <a:avLst/>
+          </a:prstGeom>
+          <a:ln>
+            <a:tailEnd type="triangle"/>
+          </a:ln>
+        </p:spPr>
+        <p:style>
+          <a:lnRef idx="1">
+            <a:schemeClr val="accent1"/>
+          </a:lnRef>
+          <a:fillRef idx="0">
+            <a:schemeClr val="accent1"/>
+          </a:fillRef>
+          <a:effectRef idx="0">
+            <a:schemeClr val="accent1"/>
+          </a:effectRef>
+          <a:fontRef idx="minor">
+            <a:schemeClr val="tx1"/>
+          </a:fontRef>
+        </p:style>
+      </p:cxnSp>
+      <p:sp>
+        <p:nvSpPr>
+          <p:cNvPr id="48" name="Rectangle : coins arrondis 47">
+            <a:extLst>
+              <a:ext uri="{FF2B5EF4-FFF2-40B4-BE49-F238E27FC236}">
+                <a16:creationId xmlns:a16="http://schemas.microsoft.com/office/drawing/2014/main" id="{09E3E746-8494-41AD-BE92-EB3261021F39}"/>
+              </a:ext>
+            </a:extLst>
+          </p:cNvPr>
+          <p:cNvSpPr/>
+          <p:nvPr/>
+        </p:nvSpPr>
+        <p:spPr>
+          <a:xfrm>
+            <a:off x="8261674" y="5652072"/>
+            <a:ext cx="1250352" cy="935045"/>
+          </a:xfrm>
+          <a:prstGeom prst="roundRect">
+            <a:avLst/>
+          </a:prstGeom>
+        </p:spPr>
+        <p:style>
+          <a:lnRef idx="2">
+            <a:schemeClr val="accent1">
+              <a:shade val="50000"/>
+            </a:schemeClr>
+          </a:lnRef>
+          <a:fillRef idx="1">
+            <a:schemeClr val="accent1"/>
+          </a:fillRef>
+          <a:effectRef idx="0">
+            <a:schemeClr val="accent1"/>
+          </a:effectRef>
+          <a:fontRef idx="minor">
+            <a:schemeClr val="lt1"/>
+          </a:fontRef>
+        </p:style>
+        <p:txBody>
+          <a:bodyPr rot="0" spcFirstLastPara="0" vertOverflow="overflow" horzOverflow="overflow" vert="horz" wrap="square" lIns="75021" tIns="37511" rIns="75021" bIns="37511" numCol="1" spcCol="0" rtlCol="0" fromWordArt="0" anchor="ctr" anchorCtr="0" forceAA="0" compatLnSpc="1">
+            <a:prstTxWarp prst="textNoShape">
+              <a:avLst/>
+            </a:prstTxWarp>
+            <a:noAutofit/>
+          </a:bodyPr>
+          <a:lstStyle/>
+          <a:p>
+            <a:pPr algn="ctr"/>
+            <a:r>
+              <a:rPr lang="fr-CA" sz="1476" dirty="0"/>
+              <a:t>Générer une alarme</a:t>
+            </a:r>
+          </a:p>
+        </p:txBody>
+      </p:sp>
+      <p:cxnSp>
+        <p:nvCxnSpPr>
+          <p:cNvPr id="26" name="Connecteur droit avec flèche 25">
+            <a:extLst>
+              <a:ext uri="{FF2B5EF4-FFF2-40B4-BE49-F238E27FC236}">
+                <a16:creationId xmlns:a16="http://schemas.microsoft.com/office/drawing/2014/main" id="{9CB25CA7-3684-4EF3-9554-0F1A214857CB}"/>
+              </a:ext>
+            </a:extLst>
+          </p:cNvPr>
+          <p:cNvCxnSpPr>
+            <a:stCxn id="48" idx="2"/>
+            <a:endCxn id="20" idx="0"/>
+          </p:cNvCxnSpPr>
+          <p:nvPr/>
+        </p:nvCxnSpPr>
+        <p:spPr>
+          <a:xfrm>
+            <a:off x="8886850" y="6587117"/>
+            <a:ext cx="0" cy="1671530"/>
+          </a:xfrm>
+          <a:prstGeom prst="straightConnector1">
+            <a:avLst/>
+          </a:prstGeom>
+          <a:ln>
+            <a:tailEnd type="triangle"/>
+          </a:ln>
+        </p:spPr>
+        <p:style>
+          <a:lnRef idx="1">
+            <a:schemeClr val="accent1"/>
+          </a:lnRef>
+          <a:fillRef idx="0">
+            <a:schemeClr val="accent1"/>
+          </a:fillRef>
+          <a:effectRef idx="0">
+            <a:schemeClr val="accent1"/>
+          </a:effectRef>
+          <a:fontRef idx="minor">
+            <a:schemeClr val="tx1"/>
+          </a:fontRef>
+        </p:style>
+      </p:cxnSp>
+      <p:sp>
+        <p:nvSpPr>
+          <p:cNvPr id="49" name="Rectangle : coins arrondis 48">
+            <a:extLst>
+              <a:ext uri="{FF2B5EF4-FFF2-40B4-BE49-F238E27FC236}">
+                <a16:creationId xmlns:a16="http://schemas.microsoft.com/office/drawing/2014/main" id="{64B744AD-D140-46AA-91BF-1E40E18836F4}"/>
+              </a:ext>
+            </a:extLst>
+          </p:cNvPr>
+          <p:cNvSpPr/>
+          <p:nvPr/>
+        </p:nvSpPr>
+        <p:spPr>
+          <a:xfrm>
+            <a:off x="5050152" y="4418354"/>
+            <a:ext cx="1250352" cy="935045"/>
+          </a:xfrm>
+          <a:prstGeom prst="roundRect">
+            <a:avLst/>
+          </a:prstGeom>
+        </p:spPr>
+        <p:style>
+          <a:lnRef idx="2">
+            <a:schemeClr val="accent1">
+              <a:shade val="50000"/>
+            </a:schemeClr>
+          </a:lnRef>
+          <a:fillRef idx="1">
+            <a:schemeClr val="accent1"/>
+          </a:fillRef>
+          <a:effectRef idx="0">
+            <a:schemeClr val="accent1"/>
+          </a:effectRef>
+          <a:fontRef idx="minor">
+            <a:schemeClr val="lt1"/>
+          </a:fontRef>
+        </p:style>
+        <p:txBody>
+          <a:bodyPr rot="0" spcFirstLastPara="0" vertOverflow="overflow" horzOverflow="overflow" vert="horz" wrap="square" lIns="75021" tIns="37511" rIns="75021" bIns="37511" numCol="1" spcCol="0" rtlCol="0" fromWordArt="0" anchor="ctr" anchorCtr="0" forceAA="0" compatLnSpc="1">
+            <a:prstTxWarp prst="textNoShape">
+              <a:avLst/>
+            </a:prstTxWarp>
+            <a:noAutofit/>
+          </a:bodyPr>
+          <a:lstStyle/>
+          <a:p>
+            <a:pPr algn="ctr"/>
+            <a:r>
+              <a:rPr lang="fr-CA" sz="1476" dirty="0"/>
+              <a:t>Compiler les données</a:t>
+            </a:r>
+          </a:p>
+        </p:txBody>
+      </p:sp>
+      <p:cxnSp>
+        <p:nvCxnSpPr>
+          <p:cNvPr id="30" name="Connecteur droit avec flèche 29">
+            <a:extLst>
+              <a:ext uri="{FF2B5EF4-FFF2-40B4-BE49-F238E27FC236}">
+                <a16:creationId xmlns:a16="http://schemas.microsoft.com/office/drawing/2014/main" id="{008D3D14-7B9B-447F-9030-A2D6DBE40417}"/>
+              </a:ext>
+            </a:extLst>
+          </p:cNvPr>
+          <p:cNvCxnSpPr>
+            <a:stCxn id="12" idx="3"/>
+            <a:endCxn id="49" idx="1"/>
+          </p:cNvCxnSpPr>
+          <p:nvPr/>
+        </p:nvCxnSpPr>
+        <p:spPr>
+          <a:xfrm>
+            <a:off x="4683541" y="4885862"/>
+            <a:ext cx="366611" cy="15"/>
+          </a:xfrm>
+          <a:prstGeom prst="straightConnector1">
+            <a:avLst/>
+          </a:prstGeom>
+          <a:ln>
+            <a:tailEnd type="triangle"/>
+          </a:ln>
+        </p:spPr>
+        <p:style>
+          <a:lnRef idx="1">
+            <a:schemeClr val="accent1"/>
+          </a:lnRef>
+          <a:fillRef idx="0">
+            <a:schemeClr val="accent1"/>
+          </a:fillRef>
+          <a:effectRef idx="0">
+            <a:schemeClr val="accent1"/>
+          </a:effectRef>
+          <a:fontRef idx="minor">
+            <a:schemeClr val="tx1"/>
+          </a:fontRef>
+        </p:style>
+      </p:cxnSp>
+      <p:cxnSp>
+        <p:nvCxnSpPr>
+          <p:cNvPr id="225" name="Connecteur droit avec flèche 224">
+            <a:extLst>
+              <a:ext uri="{FF2B5EF4-FFF2-40B4-BE49-F238E27FC236}">
+                <a16:creationId xmlns:a16="http://schemas.microsoft.com/office/drawing/2014/main" id="{26FBE5EB-C0C2-412C-AFCF-DB6DAF4F1BF2}"/>
+              </a:ext>
+            </a:extLst>
+          </p:cNvPr>
+          <p:cNvCxnSpPr>
+            <a:stCxn id="49" idx="3"/>
+            <a:endCxn id="13" idx="1"/>
+          </p:cNvCxnSpPr>
+          <p:nvPr/>
+        </p:nvCxnSpPr>
+        <p:spPr>
+          <a:xfrm>
+            <a:off x="6300504" y="4885877"/>
+            <a:ext cx="344207" cy="897"/>
           </a:xfrm>
           <a:prstGeom prst="straightConnector1">
             <a:avLst/>
